--- a/Terraform/Terraform.pptx
+++ b/Terraform/Terraform.pptx
@@ -1924,8 +1924,8 @@
         </p:nvSpPr>
         <p:spPr>
           <a:xfrm>
-            <a:off x="381188" y="685800"/>
-            <a:ext cx="6096300" cy="3429000"/>
+            <a:off x="381000" y="685800"/>
+            <a:ext cx="6096000" cy="3429000"/>
           </a:xfrm>
           <a:custGeom>
             <a:avLst/>
@@ -13335,8 +13335,8 @@
         </p:nvSpPr>
         <p:spPr>
           <a:xfrm>
-            <a:off x="4939500" y="-139375"/>
-            <a:ext cx="3837000" cy="5110500"/>
+            <a:off x="4939500" y="269421"/>
+            <a:ext cx="3837000" cy="4237265"/>
           </a:xfrm>
           <a:prstGeom prst="rect">
             <a:avLst/>
@@ -13359,10 +13359,10 @@
               <a:buChar char="●"/>
             </a:pPr>
             <a:r>
-              <a:rPr lang="en" sz="1000"/>
+              <a:rPr lang="en" sz="1000" dirty="0"/>
               <a:t>Introduction</a:t>
             </a:r>
-            <a:endParaRPr sz="1000"/>
+            <a:endParaRPr sz="1000" dirty="0"/>
           </a:p>
           <a:p>
             <a:pPr marL="457200" lvl="0" indent="-292100" algn="l" rtl="0">
@@ -13376,10 +13376,10 @@
               <a:buChar char="●"/>
             </a:pPr>
             <a:r>
-              <a:rPr lang="en" sz="1000"/>
+              <a:rPr lang="en" sz="1000" dirty="0"/>
               <a:t>Setting up Terraform</a:t>
             </a:r>
-            <a:endParaRPr sz="1000"/>
+            <a:endParaRPr sz="1000" dirty="0"/>
           </a:p>
           <a:p>
             <a:pPr marL="457200" lvl="0" indent="-292100" algn="l" rtl="0">
@@ -13393,10 +13393,10 @@
               <a:buChar char="●"/>
             </a:pPr>
             <a:r>
-              <a:rPr lang="en" sz="1000"/>
+              <a:rPr lang="en" sz="1000" dirty="0"/>
               <a:t>Basics of Terraform</a:t>
             </a:r>
-            <a:endParaRPr sz="1000"/>
+            <a:endParaRPr sz="1000" dirty="0"/>
           </a:p>
           <a:p>
             <a:pPr marL="457200" lvl="0" indent="-292100" algn="l" rtl="0">
@@ -13410,10 +13410,10 @@
               <a:buChar char="●"/>
             </a:pPr>
             <a:r>
-              <a:rPr lang="en" sz="1000"/>
+              <a:rPr lang="en" sz="1000" dirty="0"/>
               <a:t>Terraform Inputs/Outputs</a:t>
             </a:r>
-            <a:endParaRPr sz="1000"/>
+            <a:endParaRPr sz="1000" dirty="0"/>
           </a:p>
           <a:p>
             <a:pPr marL="457200" lvl="0" indent="-292100" algn="l" rtl="0">
@@ -13427,10 +13427,10 @@
               <a:buChar char="●"/>
             </a:pPr>
             <a:r>
-              <a:rPr lang="en" sz="1000"/>
+              <a:rPr lang="en" sz="1000" dirty="0"/>
               <a:t>Terraform conditionals and loops</a:t>
             </a:r>
-            <a:endParaRPr sz="1000"/>
+            <a:endParaRPr sz="1000" dirty="0"/>
           </a:p>
           <a:p>
             <a:pPr marL="457200" lvl="0" indent="-292100" algn="l" rtl="0">
@@ -13444,10 +13444,10 @@
               <a:buChar char="●"/>
             </a:pPr>
             <a:r>
-              <a:rPr lang="en" sz="1000"/>
+              <a:rPr lang="en" sz="1000" dirty="0"/>
               <a:t>Terraform modules</a:t>
             </a:r>
-            <a:endParaRPr sz="1000"/>
+            <a:endParaRPr sz="1000" dirty="0"/>
           </a:p>
           <a:p>
             <a:pPr marL="457200" lvl="0" indent="-292100" algn="l" rtl="0">
@@ -13461,10 +13461,10 @@
               <a:buChar char="●"/>
             </a:pPr>
             <a:r>
-              <a:rPr lang="en" sz="1000"/>
+              <a:rPr lang="en" sz="1000" dirty="0"/>
               <a:t>Terraform state management</a:t>
             </a:r>
-            <a:endParaRPr sz="1000"/>
+            <a:endParaRPr sz="1000" dirty="0"/>
           </a:p>
           <a:p>
             <a:pPr marL="457200" lvl="0" indent="-292100" algn="l" rtl="0">
@@ -13478,10 +13478,10 @@
               <a:buChar char="●"/>
             </a:pPr>
             <a:r>
-              <a:rPr lang="en" sz="1000"/>
+              <a:rPr lang="en" sz="1000" dirty="0"/>
               <a:t>Managing multiple environments</a:t>
             </a:r>
-            <a:endParaRPr sz="1000"/>
+            <a:endParaRPr sz="1000" dirty="0"/>
           </a:p>
           <a:p>
             <a:pPr marL="457200" lvl="0" indent="-292100" algn="l" rtl="0">
@@ -13495,10 +13495,10 @@
               <a:buChar char="●"/>
             </a:pPr>
             <a:r>
-              <a:rPr lang="en" sz="1000"/>
+              <a:rPr lang="en" sz="1000" dirty="0"/>
               <a:t>Working with multiple providers</a:t>
             </a:r>
-            <a:endParaRPr sz="1000"/>
+            <a:endParaRPr sz="1000" dirty="0"/>
           </a:p>
           <a:p>
             <a:pPr marL="457200" lvl="0" indent="-292100" algn="l" rtl="0">
@@ -13506,33 +13506,16 @@
                 <a:spcPts val="1600"/>
               </a:spcBef>
               <a:spcAft>
-                <a:spcPts val="0"/>
+                <a:spcPts val="1600"/>
               </a:spcAft>
               <a:buSzPts val="1000"/>
               <a:buChar char="●"/>
             </a:pPr>
             <a:r>
-              <a:rPr lang="en" sz="1000"/>
-              <a:t>Terraform Provisioners</a:t>
-            </a:r>
-            <a:endParaRPr sz="1000"/>
-          </a:p>
-          <a:p>
-            <a:pPr marL="457200" lvl="0" indent="-292100" algn="l" rtl="0">
-              <a:spcBef>
-                <a:spcPts val="1600"/>
-              </a:spcBef>
-              <a:spcAft>
-                <a:spcPts val="1600"/>
-              </a:spcAft>
-              <a:buSzPts val="1000"/>
-              <a:buChar char="●"/>
-            </a:pPr>
-            <a:r>
-              <a:rPr lang="en" sz="1000"/>
+              <a:rPr lang="en" sz="1000" dirty="0"/>
               <a:t>Misc. topics</a:t>
             </a:r>
-            <a:endParaRPr sz="1000"/>
+            <a:endParaRPr sz="1000" dirty="0"/>
           </a:p>
         </p:txBody>
       </p:sp>
